--- a/interim-14022025/nmop-chairs-slides.pptx
+++ b/interim-14022025/nmop-chairs-slides.pptx
@@ -265,6 +265,66 @@
     </p:ext>
   </p:extLst>
 </p:presentation>
+</file>
+
+<file path=ppt/changesInfos/changesInfo1.xml><?xml version="1.0" encoding="utf-8"?>
+<pc:chgInfo xmlns:a="http://schemas.openxmlformats.org/drawingml/2006/main" xmlns:r="http://schemas.openxmlformats.org/officeDocument/2006/relationships" xmlns:ac="http://schemas.microsoft.com/office/drawing/2013/main/command" xmlns:pc="http://schemas.microsoft.com/office/powerpoint/2013/main/command">
+  <pc:docChgLst>
+    <pc:chgData name="BOUCADAIR Mohamed INNOV/NET" userId="2acbca90-6db1-4111-98c4-832797dda751" providerId="ADAL" clId="{CB015495-AC87-418A-9D95-B64FCE192A2C}"/>
+    <pc:docChg chg="custSel modSld">
+      <pc:chgData name="BOUCADAIR Mohamed INNOV/NET" userId="2acbca90-6db1-4111-98c4-832797dda751" providerId="ADAL" clId="{CB015495-AC87-418A-9D95-B64FCE192A2C}" dt="2025-02-14T09:17:38.380" v="8" actId="478"/>
+      <pc:docMkLst>
+        <pc:docMk/>
+      </pc:docMkLst>
+      <pc:sldChg chg="addSp delSp modSp mod">
+        <pc:chgData name="BOUCADAIR Mohamed INNOV/NET" userId="2acbca90-6db1-4111-98c4-832797dda751" providerId="ADAL" clId="{CB015495-AC87-418A-9D95-B64FCE192A2C}" dt="2025-02-14T09:17:05.328" v="7" actId="14100"/>
+        <pc:sldMkLst>
+          <pc:docMk/>
+          <pc:sldMk cId="1033932174" sldId="279"/>
+        </pc:sldMkLst>
+        <pc:spChg chg="mod">
+          <ac:chgData name="BOUCADAIR Mohamed INNOV/NET" userId="2acbca90-6db1-4111-98c4-832797dda751" providerId="ADAL" clId="{CB015495-AC87-418A-9D95-B64FCE192A2C}" dt="2025-02-14T09:17:05.328" v="7" actId="14100"/>
+          <ac:spMkLst>
+            <pc:docMk/>
+            <pc:sldMk cId="1033932174" sldId="279"/>
+            <ac:spMk id="11" creationId="{0D74CCE1-68F1-D456-8D2B-5D22F54913F7}"/>
+          </ac:spMkLst>
+        </pc:spChg>
+        <pc:picChg chg="del">
+          <ac:chgData name="BOUCADAIR Mohamed INNOV/NET" userId="2acbca90-6db1-4111-98c4-832797dda751" providerId="ADAL" clId="{CB015495-AC87-418A-9D95-B64FCE192A2C}" dt="2025-02-14T09:16:25.934" v="0" actId="478"/>
+          <ac:picMkLst>
+            <pc:docMk/>
+            <pc:sldMk cId="1033932174" sldId="279"/>
+            <ac:picMk id="2" creationId="{43005AD9-415B-494A-A79C-F0D2E1E06D39}"/>
+          </ac:picMkLst>
+        </pc:picChg>
+        <pc:picChg chg="add mod ord">
+          <ac:chgData name="BOUCADAIR Mohamed INNOV/NET" userId="2acbca90-6db1-4111-98c4-832797dda751" providerId="ADAL" clId="{CB015495-AC87-418A-9D95-B64FCE192A2C}" dt="2025-02-14T09:16:59.316" v="5" actId="167"/>
+          <ac:picMkLst>
+            <pc:docMk/>
+            <pc:sldMk cId="1033932174" sldId="279"/>
+            <ac:picMk id="5" creationId="{91D8E411-5DD5-B07B-1C14-36E4ABBF8DCA}"/>
+          </ac:picMkLst>
+        </pc:picChg>
+      </pc:sldChg>
+      <pc:sldChg chg="delSp mod">
+        <pc:chgData name="BOUCADAIR Mohamed INNOV/NET" userId="2acbca90-6db1-4111-98c4-832797dda751" providerId="ADAL" clId="{CB015495-AC87-418A-9D95-B64FCE192A2C}" dt="2025-02-14T09:17:38.380" v="8" actId="478"/>
+        <pc:sldMkLst>
+          <pc:docMk/>
+          <pc:sldMk cId="753709249" sldId="280"/>
+        </pc:sldMkLst>
+        <pc:spChg chg="del">
+          <ac:chgData name="BOUCADAIR Mohamed INNOV/NET" userId="2acbca90-6db1-4111-98c4-832797dda751" providerId="ADAL" clId="{CB015495-AC87-418A-9D95-B64FCE192A2C}" dt="2025-02-14T09:17:38.380" v="8" actId="478"/>
+          <ac:spMkLst>
+            <pc:docMk/>
+            <pc:sldMk cId="753709249" sldId="280"/>
+            <ac:spMk id="15" creationId="{ABC413EE-1940-B5DD-0D49-F13712C57B45}"/>
+          </ac:spMkLst>
+        </pc:spChg>
+      </pc:sldChg>
+    </pc:docChg>
+  </pc:docChgLst>
+</pc:chgInfo>
 </file>
 
 <file path=ppt/notesMasters/notesMaster1.xml><?xml version="1.0" encoding="utf-8"?>
@@ -1548,7 +1608,7 @@
             </a:pPr>
             <a:fld id="{00000000-1234-1234-1234-123412341234}" type="slidenum">
               <a:rPr lang="en-US"/>
-              <a:t>‹#›</a:t>
+              <a:t>‹N°›</a:t>
             </a:fld>
             <a:endParaRPr/>
           </a:p>
@@ -2867,7 +2927,7 @@
             </a:pPr>
             <a:fld id="{00000000-1234-1234-1234-123412341234}" type="slidenum">
               <a:rPr lang="en-US"/>
-              <a:t>‹#›</a:t>
+              <a:t>‹N°›</a:t>
             </a:fld>
             <a:endParaRPr/>
           </a:p>
@@ -3862,7 +3922,7 @@
             </a:pPr>
             <a:fld id="{00000000-1234-1234-1234-123412341234}" type="slidenum">
               <a:rPr lang="en-US"/>
-              <a:t>‹#›</a:t>
+              <a:t>‹N°›</a:t>
             </a:fld>
             <a:endParaRPr/>
           </a:p>
@@ -4436,7 +4496,7 @@
             </a:pPr>
             <a:fld id="{00000000-1234-1234-1234-123412341234}" type="slidenum">
               <a:rPr lang="en-US"/>
-              <a:t>‹#›</a:t>
+              <a:t>‹N°›</a:t>
             </a:fld>
             <a:endParaRPr/>
           </a:p>
@@ -5672,7 +5732,7 @@
             </a:pPr>
             <a:fld id="{00000000-1234-1234-1234-123412341234}" type="slidenum">
               <a:rPr lang="en-US"/>
-              <a:t>‹#›</a:t>
+              <a:t>‹N°›</a:t>
             </a:fld>
             <a:endParaRPr/>
           </a:p>
@@ -6164,7 +6224,7 @@
             </a:pPr>
             <a:fld id="{00000000-1234-1234-1234-123412341234}" type="slidenum">
               <a:rPr lang="en-US"/>
-              <a:t>‹#›</a:t>
+              <a:t>‹N°›</a:t>
             </a:fld>
             <a:endParaRPr/>
           </a:p>
@@ -7016,7 +7076,7 @@
             </a:pPr>
             <a:fld id="{00000000-1234-1234-1234-123412341234}" type="slidenum">
               <a:rPr lang="en-US"/>
-              <a:t>‹#›</a:t>
+              <a:t>‹N°›</a:t>
             </a:fld>
             <a:endParaRPr/>
           </a:p>
@@ -7992,7 +8052,7 @@
             </a:pPr>
             <a:fld id="{00000000-1234-1234-1234-123412341234}" type="slidenum">
               <a:rPr lang="en-US"/>
-              <a:t>‹#›</a:t>
+              <a:t>‹N°›</a:t>
             </a:fld>
             <a:endParaRPr/>
           </a:p>
@@ -8286,7 +8346,7 @@
             </a:pPr>
             <a:fld id="{00000000-1234-1234-1234-123412341234}" type="slidenum">
               <a:rPr lang="en-US"/>
-              <a:t>‹#›</a:t>
+              <a:t>‹N°›</a:t>
             </a:fld>
             <a:endParaRPr/>
           </a:p>
@@ -9494,7 +9554,7 @@
             </a:pPr>
             <a:fld id="{00000000-1234-1234-1234-123412341234}" type="slidenum">
               <a:rPr lang="en-US"/>
-              <a:t>‹#›</a:t>
+              <a:t>‹N°›</a:t>
             </a:fld>
             <a:endParaRPr/>
           </a:p>
@@ -10400,7 +10460,7 @@
             </a:pPr>
             <a:fld id="{00000000-1234-1234-1234-123412341234}" type="slidenum">
               <a:rPr lang="en-US"/>
-              <a:t>‹#›</a:t>
+              <a:t>‹N°›</a:t>
             </a:fld>
             <a:endParaRPr/>
           </a:p>
@@ -11125,7 +11185,7 @@
             </a:pPr>
             <a:fld id="{00000000-1234-1234-1234-123412341234}" type="slidenum">
               <a:rPr lang="en-US"/>
-              <a:t>‹#›</a:t>
+              <a:t>‹N°›</a:t>
             </a:fld>
             <a:endParaRPr/>
           </a:p>
@@ -12120,7 +12180,7 @@
             </a:pPr>
             <a:fld id="{00000000-1234-1234-1234-123412341234}" type="slidenum">
               <a:rPr lang="en-US"/>
-              <a:t>‹#›</a:t>
+              <a:t>‹N°›</a:t>
             </a:fld>
             <a:endParaRPr/>
           </a:p>
@@ -12721,7 +12781,7 @@
             </a:pPr>
             <a:fld id="{00000000-1234-1234-1234-123412341234}" type="slidenum">
               <a:rPr lang="en-US"/>
-              <a:t>‹#›</a:t>
+              <a:t>‹N°›</a:t>
             </a:fld>
             <a:endParaRPr/>
           </a:p>
@@ -13035,7 +13095,7 @@
             </a:pPr>
             <a:fld id="{00000000-1234-1234-1234-123412341234}" type="slidenum">
               <a:rPr lang="en-US"/>
-              <a:t>‹#›</a:t>
+              <a:t>‹N°›</a:t>
             </a:fld>
             <a:endParaRPr/>
           </a:p>
@@ -15117,7 +15177,7 @@
             </a:pPr>
             <a:fld id="{00000000-1234-1234-1234-123412341234}" type="slidenum">
               <a:rPr lang="en-US"/>
-              <a:t>‹#›</a:t>
+              <a:t>‹N°›</a:t>
             </a:fld>
             <a:endParaRPr/>
           </a:p>
@@ -17098,7 +17158,7 @@
         <p:fade/>
       </p:transition>
     </mc:Choice>
-    <mc:Fallback xmlns="" xmlns:mv="urn:schemas-microsoft-com:mac:vml" xmlns:c="http://schemas.openxmlformats.org/drawingml/2006/chart" xmlns:dgm="http://schemas.openxmlformats.org/drawingml/2006/diagram" xmlns:o="urn:schemas-microsoft-com:office:office" xmlns:v="urn:schemas-microsoft-com:vml" xmlns:pvml="urn:schemas-microsoft-com:office:powerpoint" xmlns:com="http://schemas.openxmlformats.org/drawingml/2006/compatibility" xmlns:p15="http://schemas.microsoft.com/office/powerpoint/2012/main" xmlns:ahyp="http://schemas.microsoft.com/office/drawing/2018/hyperlinkcolor">
+    <mc:Fallback xmlns:ahyp="http://schemas.microsoft.com/office/drawing/2018/hyperlinkcolor" xmlns:p15="http://schemas.microsoft.com/office/powerpoint/2012/main" xmlns:com="http://schemas.openxmlformats.org/drawingml/2006/compatibility" xmlns:pvml="urn:schemas-microsoft-com:office:powerpoint" xmlns:v="urn:schemas-microsoft-com:vml" xmlns:o="urn:schemas-microsoft-com:office:office" xmlns:dgm="http://schemas.openxmlformats.org/drawingml/2006/diagram" xmlns:c="http://schemas.openxmlformats.org/drawingml/2006/chart" xmlns:mv="urn:schemas-microsoft-com:mac:vml" xmlns="">
       <p:transition spd="slow">
         <p:fade/>
       </p:transition>
@@ -17252,10 +17312,10 @@
       </p:grpSpPr>
       <p:pic>
         <p:nvPicPr>
-          <p:cNvPr id="2" name="Picture 1">
+          <p:cNvPr id="5" name="Image 4">
             <a:extLst>
               <a:ext uri="{FF2B5EF4-FFF2-40B4-BE49-F238E27FC236}">
-                <a16:creationId xmlns:a16="http://schemas.microsoft.com/office/drawing/2014/main" id="{43005AD9-415B-494A-A79C-F0D2E1E06D39}"/>
+                <a16:creationId xmlns:a16="http://schemas.microsoft.com/office/drawing/2014/main" id="{91D8E411-5DD5-B07B-1C14-36E4ABBF8DCA}"/>
               </a:ext>
             </a:extLst>
           </p:cNvPr>
@@ -17272,17 +17332,12 @@
         </p:blipFill>
         <p:spPr>
           <a:xfrm>
-            <a:off x="381760" y="2005240"/>
-            <a:ext cx="7936730" cy="2881110"/>
+            <a:off x="471900" y="2087087"/>
+            <a:ext cx="8476193" cy="1813402"/>
           </a:xfrm>
           <a:prstGeom prst="rect">
             <a:avLst/>
           </a:prstGeom>
-          <a:ln>
-            <a:solidFill>
-              <a:schemeClr val="bg2"/>
-            </a:solidFill>
-          </a:ln>
         </p:spPr>
       </p:pic>
       <p:sp>
@@ -17375,13 +17430,13 @@
         </p:nvSpPr>
         <p:spPr>
           <a:xfrm>
-            <a:off x="6569581" y="2158523"/>
+            <a:off x="7549270" y="3560027"/>
             <a:ext cx="1122830" cy="921123"/>
           </a:xfrm>
           <a:prstGeom prst="wedgeEllipseCallout">
             <a:avLst>
-              <a:gd name="adj1" fmla="val -311237"/>
-              <a:gd name="adj2" fmla="val -22826"/>
+              <a:gd name="adj1" fmla="val -77742"/>
+              <a:gd name="adj2" fmla="val -126749"/>
             </a:avLst>
           </a:prstGeom>
           <a:solidFill>
@@ -18085,7 +18140,7 @@
             </a:solidFill>
             <a:extLst>
               <a:ext uri="{C807C97D-BFC1-408E-A445-0C87EB9F89A2}">
-                <ask:lineSketchStyleProps xmlns:ask="http://schemas.microsoft.com/office/drawing/2018/sketchyshapes" xmlns="" sd="3997106322">
+                <ask:lineSketchStyleProps xmlns:ask="http://schemas.microsoft.com/office/drawing/2018/sketchyshapes" sd="3997106322">
                   <a:prstGeom prst="rect">
                     <a:avLst/>
                   </a:prstGeom>
@@ -18119,45 +18174,6 @@
           <a:p>
             <a:pPr algn="ctr"/>
             <a:endParaRPr lang="fr-FR"/>
-          </a:p>
-        </p:txBody>
-      </p:sp>
-      <p:sp>
-        <p:nvSpPr>
-          <p:cNvPr id="15" name="ZoneTexte 14">
-            <a:extLst>
-              <a:ext uri="{FF2B5EF4-FFF2-40B4-BE49-F238E27FC236}">
-                <a16:creationId xmlns:a16="http://schemas.microsoft.com/office/drawing/2014/main" id="{ABC413EE-1940-B5DD-0D49-F13712C57B45}"/>
-              </a:ext>
-            </a:extLst>
-          </p:cNvPr>
-          <p:cNvSpPr txBox="1"/>
-          <p:nvPr/>
-        </p:nvSpPr>
-        <p:spPr>
-          <a:xfrm>
-            <a:off x="884902" y="3308573"/>
-            <a:ext cx="566340" cy="230832"/>
-          </a:xfrm>
-          <a:prstGeom prst="rect">
-            <a:avLst/>
-          </a:prstGeom>
-          <a:noFill/>
-        </p:spPr>
-        <p:txBody>
-          <a:bodyPr wrap="square" rtlCol="0">
-            <a:spAutoFit/>
-          </a:bodyPr>
-          <a:lstStyle/>
-          <a:p>
-            <a:r>
-              <a:rPr lang="fr-FR" sz="900" dirty="0">
-                <a:solidFill>
-                  <a:srgbClr val="FF0000"/>
-                </a:solidFill>
-              </a:rPr>
-              <a:t>NEW</a:t>
-            </a:r>
           </a:p>
         </p:txBody>
       </p:sp>
